--- a/architecture.pptx
+++ b/architecture.pptx
@@ -17802,402 +17802,6 @@
           </a:fontRef>
         </p:style>
       </p:cxnSp>
-      <p:sp>
-        <p:nvSpPr>
-          <p:cNvPr id="83" name="Rectangle 82">
-            <a:extLst>
-              <a:ext uri="{FF2B5EF4-FFF2-40B4-BE49-F238E27FC236}">
-                <a16:creationId xmlns:a16="http://schemas.microsoft.com/office/drawing/2014/main" id="{09BA84E5-4D6D-D949-93A9-9D9364A9F90C}"/>
-              </a:ext>
-            </a:extLst>
-          </p:cNvPr>
-          <p:cNvSpPr/>
-          <p:nvPr/>
-        </p:nvSpPr>
-        <p:spPr>
-          <a:xfrm>
-            <a:off x="8487836" y="2878876"/>
-            <a:ext cx="2552603" cy="809328"/>
-          </a:xfrm>
-          <a:prstGeom prst="rect">
-            <a:avLst/>
-          </a:prstGeom>
-          <a:solidFill>
-            <a:srgbClr val="FAFAFA">
-              <a:alpha val="20000"/>
-            </a:srgbClr>
-          </a:solidFill>
-          <a:ln w="12700">
-            <a:noFill/>
-            <a:prstDash val="dash"/>
-          </a:ln>
-        </p:spPr>
-        <p:style>
-          <a:lnRef idx="2">
-            <a:schemeClr val="accent1">
-              <a:shade val="50000"/>
-            </a:schemeClr>
-          </a:lnRef>
-          <a:fillRef idx="1">
-            <a:schemeClr val="accent1"/>
-          </a:fillRef>
-          <a:effectRef idx="0">
-            <a:schemeClr val="accent1"/>
-          </a:effectRef>
-          <a:fontRef idx="minor">
-            <a:schemeClr val="lt1"/>
-          </a:fontRef>
-        </p:style>
-        <p:txBody>
-          <a:bodyPr tIns="91440"/>
-          <a:lstStyle/>
-          <a:p>
-            <a:pPr algn="ctr" eaLnBrk="1" fontAlgn="auto" hangingPunct="1">
-              <a:spcBef>
-                <a:spcPts val="0"/>
-              </a:spcBef>
-              <a:spcAft>
-                <a:spcPts val="0"/>
-              </a:spcAft>
-              <a:defRPr/>
-            </a:pPr>
-            <a:r>
-              <a:rPr lang="en-US" sz="1200" dirty="0">
-                <a:solidFill>
-                  <a:schemeClr val="bg1"/>
-                </a:solidFill>
-                <a:latin typeface="Arial" panose="020B0604020202020204" pitchFamily="34" charset="0"/>
-                <a:cs typeface="Arial" panose="020B0604020202020204" pitchFamily="34" charset="0"/>
-              </a:rPr>
-              <a:t>arn:aws:s3:::myBucket/*</a:t>
-            </a:r>
-          </a:p>
-        </p:txBody>
-      </p:sp>
-      <p:pic>
-        <p:nvPicPr>
-          <p:cNvPr id="84" name="Graphic 31">
-            <a:extLst>
-              <a:ext uri="{FF2B5EF4-FFF2-40B4-BE49-F238E27FC236}">
-                <a16:creationId xmlns:a16="http://schemas.microsoft.com/office/drawing/2014/main" id="{B69CE18F-25FF-E747-92A9-64096EB8B377}"/>
-              </a:ext>
-            </a:extLst>
-          </p:cNvPr>
-          <p:cNvPicPr>
-            <a:picLocks noChangeAspect="1" noChangeArrowheads="1"/>
-          </p:cNvPicPr>
-          <p:nvPr/>
-        </p:nvPicPr>
-        <p:blipFill>
-          <a:blip r:embed="rId12">
-            <a:extLst>
-              <a:ext uri="{28A0092B-C50C-407E-A947-70E740481C1C}">
-                <a14:useLocalDpi xmlns:a14="http://schemas.microsoft.com/office/drawing/2010/main" val="0"/>
-              </a:ext>
-            </a:extLst>
-          </a:blip>
-          <a:srcRect/>
-          <a:stretch>
-            <a:fillRect/>
-          </a:stretch>
-        </p:blipFill>
-        <p:spPr bwMode="auto">
-          <a:xfrm>
-            <a:off x="9524398" y="3182418"/>
-            <a:ext cx="457200" cy="457200"/>
-          </a:xfrm>
-          <a:prstGeom prst="rect">
-            <a:avLst/>
-          </a:prstGeom>
-          <a:noFill/>
-          <a:ln>
-            <a:noFill/>
-          </a:ln>
-          <a:extLst>
-            <a:ext uri="{909E8E84-426E-40DD-AFC4-6F175D3DCCD1}">
-              <a14:hiddenFill xmlns:a14="http://schemas.microsoft.com/office/drawing/2010/main">
-                <a:solidFill>
-                  <a:srgbClr val="FFFFFF"/>
-                </a:solidFill>
-              </a14:hiddenFill>
-            </a:ext>
-            <a:ext uri="{91240B29-F687-4F45-9708-019B960494DF}">
-              <a14:hiddenLine xmlns:a14="http://schemas.microsoft.com/office/drawing/2010/main" w="9525">
-                <a:solidFill>
-                  <a:srgbClr val="000000"/>
-                </a:solidFill>
-                <a:miter lim="800000"/>
-                <a:headEnd/>
-                <a:tailEnd/>
-              </a14:hiddenLine>
-            </a:ext>
-          </a:extLst>
-        </p:spPr>
-      </p:pic>
-      <p:sp>
-        <p:nvSpPr>
-          <p:cNvPr id="86" name="Rectangle 85">
-            <a:extLst>
-              <a:ext uri="{FF2B5EF4-FFF2-40B4-BE49-F238E27FC236}">
-                <a16:creationId xmlns:a16="http://schemas.microsoft.com/office/drawing/2014/main" id="{2BF55C93-2203-CA48-833B-834E03D6F50F}"/>
-              </a:ext>
-            </a:extLst>
-          </p:cNvPr>
-          <p:cNvSpPr/>
-          <p:nvPr/>
-        </p:nvSpPr>
-        <p:spPr>
-          <a:xfrm>
-            <a:off x="8484260" y="3854287"/>
-            <a:ext cx="2552603" cy="809328"/>
-          </a:xfrm>
-          <a:prstGeom prst="rect">
-            <a:avLst/>
-          </a:prstGeom>
-          <a:solidFill>
-            <a:srgbClr val="FAFAFA">
-              <a:alpha val="20000"/>
-            </a:srgbClr>
-          </a:solidFill>
-          <a:ln w="12700">
-            <a:noFill/>
-            <a:prstDash val="dash"/>
-          </a:ln>
-        </p:spPr>
-        <p:style>
-          <a:lnRef idx="2">
-            <a:schemeClr val="accent1">
-              <a:shade val="50000"/>
-            </a:schemeClr>
-          </a:lnRef>
-          <a:fillRef idx="1">
-            <a:schemeClr val="accent1"/>
-          </a:fillRef>
-          <a:effectRef idx="0">
-            <a:schemeClr val="accent1"/>
-          </a:effectRef>
-          <a:fontRef idx="minor">
-            <a:schemeClr val="lt1"/>
-          </a:fontRef>
-        </p:style>
-        <p:txBody>
-          <a:bodyPr tIns="91440"/>
-          <a:lstStyle/>
-          <a:p>
-            <a:pPr algn="ctr" eaLnBrk="1" fontAlgn="auto" hangingPunct="1">
-              <a:spcBef>
-                <a:spcPts val="0"/>
-              </a:spcBef>
-              <a:spcAft>
-                <a:spcPts val="0"/>
-              </a:spcAft>
-              <a:defRPr/>
-            </a:pPr>
-            <a:r>
-              <a:rPr lang="en-US" sz="1200" dirty="0">
-                <a:solidFill>
-                  <a:schemeClr val="bg1"/>
-                </a:solidFill>
-                <a:latin typeface="Arial" panose="020B0604020202020204" pitchFamily="34" charset="0"/>
-                <a:cs typeface="Arial" panose="020B0604020202020204" pitchFamily="34" charset="0"/>
-              </a:rPr>
-              <a:t>arn:aws:s3:::myBucket/f/*</a:t>
-            </a:r>
-          </a:p>
-        </p:txBody>
-      </p:sp>
-      <p:sp>
-        <p:nvSpPr>
-          <p:cNvPr id="87" name="Rectangle 86">
-            <a:extLst>
-              <a:ext uri="{FF2B5EF4-FFF2-40B4-BE49-F238E27FC236}">
-                <a16:creationId xmlns:a16="http://schemas.microsoft.com/office/drawing/2014/main" id="{C14B2DBD-A832-7E47-995F-89857E101BB8}"/>
-              </a:ext>
-            </a:extLst>
-          </p:cNvPr>
-          <p:cNvSpPr/>
-          <p:nvPr/>
-        </p:nvSpPr>
-        <p:spPr>
-          <a:xfrm>
-            <a:off x="8484259" y="4811421"/>
-            <a:ext cx="2552603" cy="809328"/>
-          </a:xfrm>
-          <a:prstGeom prst="rect">
-            <a:avLst/>
-          </a:prstGeom>
-          <a:solidFill>
-            <a:srgbClr val="FAFAFA">
-              <a:alpha val="20000"/>
-            </a:srgbClr>
-          </a:solidFill>
-          <a:ln w="12700">
-            <a:noFill/>
-            <a:prstDash val="dash"/>
-          </a:ln>
-        </p:spPr>
-        <p:style>
-          <a:lnRef idx="2">
-            <a:schemeClr val="accent1">
-              <a:shade val="50000"/>
-            </a:schemeClr>
-          </a:lnRef>
-          <a:fillRef idx="1">
-            <a:schemeClr val="accent1"/>
-          </a:fillRef>
-          <a:effectRef idx="0">
-            <a:schemeClr val="accent1"/>
-          </a:effectRef>
-          <a:fontRef idx="minor">
-            <a:schemeClr val="lt1"/>
-          </a:fontRef>
-        </p:style>
-        <p:txBody>
-          <a:bodyPr tIns="91440"/>
-          <a:lstStyle/>
-          <a:p>
-            <a:pPr algn="ctr" eaLnBrk="1" fontAlgn="auto" hangingPunct="1">
-              <a:spcBef>
-                <a:spcPts val="0"/>
-              </a:spcBef>
-              <a:spcAft>
-                <a:spcPts val="0"/>
-              </a:spcAft>
-              <a:defRPr/>
-            </a:pPr>
-            <a:r>
-              <a:rPr lang="en-US" sz="1200" dirty="0">
-                <a:solidFill>
-                  <a:schemeClr val="bg1"/>
-                </a:solidFill>
-                <a:latin typeface="Arial" panose="020B0604020202020204" pitchFamily="34" charset="0"/>
-                <a:cs typeface="Arial" panose="020B0604020202020204" pitchFamily="34" charset="0"/>
-              </a:rPr>
-              <a:t>arn:aws:s3:::myBucket/site/*</a:t>
-            </a:r>
-          </a:p>
-        </p:txBody>
-      </p:sp>
-      <p:pic>
-        <p:nvPicPr>
-          <p:cNvPr id="88" name="Graphic 31">
-            <a:extLst>
-              <a:ext uri="{FF2B5EF4-FFF2-40B4-BE49-F238E27FC236}">
-                <a16:creationId xmlns:a16="http://schemas.microsoft.com/office/drawing/2014/main" id="{640E870D-CDC8-BD48-BF0C-9E15252E105B}"/>
-              </a:ext>
-            </a:extLst>
-          </p:cNvPr>
-          <p:cNvPicPr>
-            <a:picLocks noChangeAspect="1" noChangeArrowheads="1"/>
-          </p:cNvPicPr>
-          <p:nvPr/>
-        </p:nvPicPr>
-        <p:blipFill>
-          <a:blip r:embed="rId12">
-            <a:extLst>
-              <a:ext uri="{28A0092B-C50C-407E-A947-70E740481C1C}">
-                <a14:useLocalDpi xmlns:a14="http://schemas.microsoft.com/office/drawing/2010/main" val="0"/>
-              </a:ext>
-            </a:extLst>
-          </a:blip>
-          <a:srcRect/>
-          <a:stretch>
-            <a:fillRect/>
-          </a:stretch>
-        </p:blipFill>
-        <p:spPr bwMode="auto">
-          <a:xfrm>
-            <a:off x="9518840" y="4139552"/>
-            <a:ext cx="457200" cy="457200"/>
-          </a:xfrm>
-          <a:prstGeom prst="rect">
-            <a:avLst/>
-          </a:prstGeom>
-          <a:noFill/>
-          <a:ln>
-            <a:noFill/>
-          </a:ln>
-          <a:extLst>
-            <a:ext uri="{909E8E84-426E-40DD-AFC4-6F175D3DCCD1}">
-              <a14:hiddenFill xmlns:a14="http://schemas.microsoft.com/office/drawing/2010/main">
-                <a:solidFill>
-                  <a:srgbClr val="FFFFFF"/>
-                </a:solidFill>
-              </a14:hiddenFill>
-            </a:ext>
-            <a:ext uri="{91240B29-F687-4F45-9708-019B960494DF}">
-              <a14:hiddenLine xmlns:a14="http://schemas.microsoft.com/office/drawing/2010/main" w="9525">
-                <a:solidFill>
-                  <a:srgbClr val="000000"/>
-                </a:solidFill>
-                <a:miter lim="800000"/>
-                <a:headEnd/>
-                <a:tailEnd/>
-              </a14:hiddenLine>
-            </a:ext>
-          </a:extLst>
-        </p:spPr>
-      </p:pic>
-      <p:pic>
-        <p:nvPicPr>
-          <p:cNvPr id="89" name="Graphic 31">
-            <a:extLst>
-              <a:ext uri="{FF2B5EF4-FFF2-40B4-BE49-F238E27FC236}">
-                <a16:creationId xmlns:a16="http://schemas.microsoft.com/office/drawing/2014/main" id="{98AC90BD-680F-EF4F-B2B5-62BB6F13E386}"/>
-              </a:ext>
-            </a:extLst>
-          </p:cNvPr>
-          <p:cNvPicPr>
-            <a:picLocks noChangeAspect="1" noChangeArrowheads="1"/>
-          </p:cNvPicPr>
-          <p:nvPr/>
-        </p:nvPicPr>
-        <p:blipFill>
-          <a:blip r:embed="rId12">
-            <a:extLst>
-              <a:ext uri="{28A0092B-C50C-407E-A947-70E740481C1C}">
-                <a14:useLocalDpi xmlns:a14="http://schemas.microsoft.com/office/drawing/2010/main" val="0"/>
-              </a:ext>
-            </a:extLst>
-          </a:blip>
-          <a:srcRect/>
-          <a:stretch>
-            <a:fillRect/>
-          </a:stretch>
-        </p:blipFill>
-        <p:spPr bwMode="auto">
-          <a:xfrm>
-            <a:off x="9518840" y="5123983"/>
-            <a:ext cx="457200" cy="457200"/>
-          </a:xfrm>
-          <a:prstGeom prst="rect">
-            <a:avLst/>
-          </a:prstGeom>
-          <a:noFill/>
-          <a:ln>
-            <a:noFill/>
-          </a:ln>
-          <a:extLst>
-            <a:ext uri="{909E8E84-426E-40DD-AFC4-6F175D3DCCD1}">
-              <a14:hiddenFill xmlns:a14="http://schemas.microsoft.com/office/drawing/2010/main">
-                <a:solidFill>
-                  <a:srgbClr val="FFFFFF"/>
-                </a:solidFill>
-              </a14:hiddenFill>
-            </a:ext>
-            <a:ext uri="{91240B29-F687-4F45-9708-019B960494DF}">
-              <a14:hiddenLine xmlns:a14="http://schemas.microsoft.com/office/drawing/2010/main" w="9525">
-                <a:solidFill>
-                  <a:srgbClr val="000000"/>
-                </a:solidFill>
-                <a:miter lim="800000"/>
-                <a:headEnd/>
-                <a:tailEnd/>
-              </a14:hiddenLine>
-            </a:ext>
-          </a:extLst>
-        </p:spPr>
-      </p:pic>
       <p:cxnSp>
         <p:nvCxnSpPr>
           <p:cNvPr id="90" name="Straight Arrow Connector 89">
@@ -18943,9 +18547,9 @@
           <p:nvPr/>
         </p:nvCxnSpPr>
         <p:spPr>
-          <a:xfrm flipH="1">
-            <a:off x="909330" y="4297090"/>
-            <a:ext cx="1" cy="1048880"/>
+          <a:xfrm>
+            <a:off x="909332" y="4297090"/>
+            <a:ext cx="2606" cy="1171274"/>
           </a:xfrm>
           <a:prstGeom prst="straightConnector1">
             <a:avLst/>
@@ -18973,51 +18577,6 @@
           </a:fontRef>
         </p:style>
       </p:cxnSp>
-      <p:cxnSp>
-        <p:nvCxnSpPr>
-          <p:cNvPr id="126" name="Straight Arrow Connector 125">
-            <a:extLst>
-              <a:ext uri="{FF2B5EF4-FFF2-40B4-BE49-F238E27FC236}">
-                <a16:creationId xmlns:a16="http://schemas.microsoft.com/office/drawing/2014/main" id="{EB63837E-60E0-8D47-9274-1C65BBF1EEDD}"/>
-              </a:ext>
-            </a:extLst>
-          </p:cNvPr>
-          <p:cNvCxnSpPr>
-            <a:cxnSpLocks/>
-          </p:cNvCxnSpPr>
-          <p:nvPr/>
-        </p:nvCxnSpPr>
-        <p:spPr>
-          <a:xfrm flipV="1">
-            <a:off x="901284" y="5336921"/>
-            <a:ext cx="7514740" cy="7409"/>
-          </a:xfrm>
-          <a:prstGeom prst="straightConnector1">
-            <a:avLst/>
-          </a:prstGeom>
-          <a:ln w="12700">
-            <a:solidFill>
-              <a:srgbClr val="8FA7C4"/>
-            </a:solidFill>
-            <a:headEnd type="none" w="med" len="sm"/>
-            <a:tailEnd type="arrow" w="med" len="sm"/>
-          </a:ln>
-        </p:spPr>
-        <p:style>
-          <a:lnRef idx="1">
-            <a:schemeClr val="accent1"/>
-          </a:lnRef>
-          <a:fillRef idx="0">
-            <a:schemeClr val="accent1"/>
-          </a:fillRef>
-          <a:effectRef idx="0">
-            <a:schemeClr val="accent1"/>
-          </a:effectRef>
-          <a:fontRef idx="minor">
-            <a:schemeClr val="tx1"/>
-          </a:fontRef>
-        </p:style>
-      </p:cxnSp>
       <p:sp>
         <p:nvSpPr>
           <p:cNvPr id="133" name="TextBox 38">
@@ -19034,7 +18593,7 @@
         </p:nvSpPr>
         <p:spPr bwMode="auto">
           <a:xfrm>
-            <a:off x="1066962" y="5075584"/>
+            <a:off x="1066962" y="5180684"/>
             <a:ext cx="2727577" cy="276999"/>
           </a:xfrm>
           <a:prstGeom prst="rect">
@@ -19450,8 +19009,8 @@
         </p:nvCxnSpPr>
         <p:spPr>
           <a:xfrm flipV="1">
-            <a:off x="8135031" y="3343787"/>
-            <a:ext cx="0" cy="472219"/>
+            <a:off x="8135031" y="3160166"/>
+            <a:ext cx="0" cy="655841"/>
           </a:xfrm>
           <a:prstGeom prst="straightConnector1">
             <a:avLst/>
@@ -19539,9 +19098,9 @@
           <p:nvPr/>
         </p:nvCxnSpPr>
         <p:spPr>
-          <a:xfrm flipV="1">
-            <a:off x="8135031" y="3342147"/>
-            <a:ext cx="280668" cy="1640"/>
+          <a:xfrm>
+            <a:off x="8135031" y="3160166"/>
+            <a:ext cx="1315377" cy="0"/>
           </a:xfrm>
           <a:prstGeom prst="straightConnector1">
             <a:avLst/>
@@ -19585,8 +19144,8 @@
         </p:nvCxnSpPr>
         <p:spPr>
           <a:xfrm flipV="1">
-            <a:off x="8111093" y="4146271"/>
-            <a:ext cx="280668" cy="1640"/>
+            <a:off x="8111093" y="4143107"/>
+            <a:ext cx="1339315" cy="4804"/>
           </a:xfrm>
           <a:prstGeom prst="straightConnector1">
             <a:avLst/>
@@ -19630,7 +19189,7 @@
         </p:nvSpPr>
         <p:spPr bwMode="auto">
           <a:xfrm>
-            <a:off x="7431135" y="3520502"/>
+            <a:off x="8455429" y="2869194"/>
             <a:ext cx="624326" cy="276999"/>
           </a:xfrm>
           <a:prstGeom prst="rect">
@@ -19793,7 +19352,7 @@
         </p:nvSpPr>
         <p:spPr bwMode="auto">
           <a:xfrm>
-            <a:off x="7423820" y="4343888"/>
+            <a:off x="8461320" y="3878644"/>
             <a:ext cx="624326" cy="276999"/>
           </a:xfrm>
           <a:prstGeom prst="rect">
@@ -19940,6 +19499,531 @@
           </a:p>
         </p:txBody>
       </p:sp>
+      <p:grpSp>
+        <p:nvGrpSpPr>
+          <p:cNvPr id="1042" name="Group 1041">
+            <a:extLst>
+              <a:ext uri="{FF2B5EF4-FFF2-40B4-BE49-F238E27FC236}">
+                <a16:creationId xmlns:a16="http://schemas.microsoft.com/office/drawing/2014/main" id="{71F1E4DE-9B12-8A48-9A8B-F0C031896245}"/>
+              </a:ext>
+            </a:extLst>
+          </p:cNvPr>
+          <p:cNvGrpSpPr/>
+          <p:nvPr/>
+        </p:nvGrpSpPr>
+        <p:grpSpPr>
+          <a:xfrm>
+            <a:off x="8933123" y="2856953"/>
+            <a:ext cx="1693091" cy="769762"/>
+            <a:chOff x="8933123" y="2856953"/>
+            <a:chExt cx="1693091" cy="769762"/>
+          </a:xfrm>
+        </p:grpSpPr>
+        <p:pic>
+          <p:nvPicPr>
+            <p:cNvPr id="84" name="Graphic 31">
+              <a:extLst>
+                <a:ext uri="{FF2B5EF4-FFF2-40B4-BE49-F238E27FC236}">
+                  <a16:creationId xmlns:a16="http://schemas.microsoft.com/office/drawing/2014/main" id="{B69CE18F-25FF-E747-92A9-64096EB8B377}"/>
+                </a:ext>
+              </a:extLst>
+            </p:cNvPr>
+            <p:cNvPicPr>
+              <a:picLocks noChangeAspect="1" noChangeArrowheads="1"/>
+            </p:cNvPicPr>
+            <p:nvPr/>
+          </p:nvPicPr>
+          <p:blipFill>
+            <a:blip r:embed="rId12">
+              <a:extLst>
+                <a:ext uri="{28A0092B-C50C-407E-A947-70E740481C1C}">
+                  <a14:useLocalDpi xmlns:a14="http://schemas.microsoft.com/office/drawing/2010/main" val="0"/>
+                </a:ext>
+              </a:extLst>
+            </a:blip>
+            <a:srcRect/>
+            <a:stretch>
+              <a:fillRect/>
+            </a:stretch>
+          </p:blipFill>
+          <p:spPr bwMode="auto">
+            <a:xfrm>
+              <a:off x="9547768" y="2856953"/>
+              <a:ext cx="457200" cy="457200"/>
+            </a:xfrm>
+            <a:prstGeom prst="rect">
+              <a:avLst/>
+            </a:prstGeom>
+            <a:noFill/>
+            <a:ln>
+              <a:noFill/>
+            </a:ln>
+            <a:extLst>
+              <a:ext uri="{909E8E84-426E-40DD-AFC4-6F175D3DCCD1}">
+                <a14:hiddenFill xmlns:a14="http://schemas.microsoft.com/office/drawing/2010/main">
+                  <a:solidFill>
+                    <a:srgbClr val="FFFFFF"/>
+                  </a:solidFill>
+                </a14:hiddenFill>
+              </a:ext>
+              <a:ext uri="{91240B29-F687-4F45-9708-019B960494DF}">
+                <a14:hiddenLine xmlns:a14="http://schemas.microsoft.com/office/drawing/2010/main" w="9525">
+                  <a:solidFill>
+                    <a:srgbClr val="000000"/>
+                  </a:solidFill>
+                  <a:miter lim="800000"/>
+                  <a:headEnd/>
+                  <a:tailEnd/>
+                </a14:hiddenLine>
+              </a:ext>
+            </a:extLst>
+          </p:spPr>
+        </p:pic>
+        <p:sp>
+          <p:nvSpPr>
+            <p:cNvPr id="1041" name="Rectangle 1040">
+              <a:extLst>
+                <a:ext uri="{FF2B5EF4-FFF2-40B4-BE49-F238E27FC236}">
+                  <a16:creationId xmlns:a16="http://schemas.microsoft.com/office/drawing/2014/main" id="{B5037AA0-602D-4A4A-8299-FB456426765F}"/>
+                </a:ext>
+              </a:extLst>
+            </p:cNvPr>
+            <p:cNvSpPr/>
+            <p:nvPr/>
+          </p:nvSpPr>
+          <p:spPr>
+            <a:xfrm>
+              <a:off x="8933123" y="3365105"/>
+              <a:ext cx="1693091" cy="261610"/>
+            </a:xfrm>
+            <a:prstGeom prst="rect">
+              <a:avLst/>
+            </a:prstGeom>
+          </p:spPr>
+          <p:txBody>
+            <a:bodyPr wrap="none">
+              <a:spAutoFit/>
+            </a:bodyPr>
+            <a:lstStyle/>
+            <a:p>
+              <a:pPr algn="ctr" eaLnBrk="1" fontAlgn="auto" hangingPunct="1">
+                <a:spcBef>
+                  <a:spcPts val="0"/>
+                </a:spcBef>
+                <a:spcAft>
+                  <a:spcPts val="0"/>
+                </a:spcAft>
+                <a:defRPr/>
+              </a:pPr>
+              <a:r>
+                <a:rPr lang="en-US" sz="1100" dirty="0">
+                  <a:solidFill>
+                    <a:schemeClr val="bg1"/>
+                  </a:solidFill>
+                  <a:latin typeface="Arial" panose="020B0604020202020204" pitchFamily="34" charset="0"/>
+                  <a:cs typeface="Arial" panose="020B0604020202020204" pitchFamily="34" charset="0"/>
+                </a:rPr>
+                <a:t>arn:aws:s3:::myBucket/*</a:t>
+              </a:r>
+            </a:p>
+          </p:txBody>
+        </p:sp>
+      </p:grpSp>
+      <p:grpSp>
+        <p:nvGrpSpPr>
+          <p:cNvPr id="157" name="Group 156">
+            <a:extLst>
+              <a:ext uri="{FF2B5EF4-FFF2-40B4-BE49-F238E27FC236}">
+                <a16:creationId xmlns:a16="http://schemas.microsoft.com/office/drawing/2014/main" id="{3F8A269F-82AC-6446-B7BD-95761E5E3CD0}"/>
+              </a:ext>
+            </a:extLst>
+          </p:cNvPr>
+          <p:cNvGrpSpPr/>
+          <p:nvPr/>
+        </p:nvGrpSpPr>
+        <p:grpSpPr>
+          <a:xfrm>
+            <a:off x="8878382" y="3861213"/>
+            <a:ext cx="1770036" cy="769762"/>
+            <a:chOff x="8894651" y="2856953"/>
+            <a:chExt cx="1770036" cy="769762"/>
+          </a:xfrm>
+        </p:grpSpPr>
+        <p:pic>
+          <p:nvPicPr>
+            <p:cNvPr id="158" name="Graphic 31">
+              <a:extLst>
+                <a:ext uri="{FF2B5EF4-FFF2-40B4-BE49-F238E27FC236}">
+                  <a16:creationId xmlns:a16="http://schemas.microsoft.com/office/drawing/2014/main" id="{EB1BA530-1509-034B-80C4-CDC162502546}"/>
+                </a:ext>
+              </a:extLst>
+            </p:cNvPr>
+            <p:cNvPicPr>
+              <a:picLocks noChangeAspect="1" noChangeArrowheads="1"/>
+            </p:cNvPicPr>
+            <p:nvPr/>
+          </p:nvPicPr>
+          <p:blipFill>
+            <a:blip r:embed="rId12">
+              <a:extLst>
+                <a:ext uri="{28A0092B-C50C-407E-A947-70E740481C1C}">
+                  <a14:useLocalDpi xmlns:a14="http://schemas.microsoft.com/office/drawing/2010/main" val="0"/>
+                </a:ext>
+              </a:extLst>
+            </a:blip>
+            <a:srcRect/>
+            <a:stretch>
+              <a:fillRect/>
+            </a:stretch>
+          </p:blipFill>
+          <p:spPr bwMode="auto">
+            <a:xfrm>
+              <a:off x="9547768" y="2856953"/>
+              <a:ext cx="457200" cy="457200"/>
+            </a:xfrm>
+            <a:prstGeom prst="rect">
+              <a:avLst/>
+            </a:prstGeom>
+            <a:noFill/>
+            <a:ln>
+              <a:noFill/>
+            </a:ln>
+            <a:extLst>
+              <a:ext uri="{909E8E84-426E-40DD-AFC4-6F175D3DCCD1}">
+                <a14:hiddenFill xmlns:a14="http://schemas.microsoft.com/office/drawing/2010/main">
+                  <a:solidFill>
+                    <a:srgbClr val="FFFFFF"/>
+                  </a:solidFill>
+                </a14:hiddenFill>
+              </a:ext>
+              <a:ext uri="{91240B29-F687-4F45-9708-019B960494DF}">
+                <a14:hiddenLine xmlns:a14="http://schemas.microsoft.com/office/drawing/2010/main" w="9525">
+                  <a:solidFill>
+                    <a:srgbClr val="000000"/>
+                  </a:solidFill>
+                  <a:miter lim="800000"/>
+                  <a:headEnd/>
+                  <a:tailEnd/>
+                </a14:hiddenLine>
+              </a:ext>
+            </a:extLst>
+          </p:spPr>
+        </p:pic>
+        <p:sp>
+          <p:nvSpPr>
+            <p:cNvPr id="159" name="Rectangle 158">
+              <a:extLst>
+                <a:ext uri="{FF2B5EF4-FFF2-40B4-BE49-F238E27FC236}">
+                  <a16:creationId xmlns:a16="http://schemas.microsoft.com/office/drawing/2014/main" id="{BEB4A431-F94C-144A-B236-D0B852A9EA6C}"/>
+                </a:ext>
+              </a:extLst>
+            </p:cNvPr>
+            <p:cNvSpPr/>
+            <p:nvPr/>
+          </p:nvSpPr>
+          <p:spPr>
+            <a:xfrm>
+              <a:off x="8894651" y="3365105"/>
+              <a:ext cx="1770036" cy="261610"/>
+            </a:xfrm>
+            <a:prstGeom prst="rect">
+              <a:avLst/>
+            </a:prstGeom>
+          </p:spPr>
+          <p:txBody>
+            <a:bodyPr wrap="none">
+              <a:spAutoFit/>
+            </a:bodyPr>
+            <a:lstStyle/>
+            <a:p>
+              <a:pPr algn="ctr" eaLnBrk="1" fontAlgn="auto" hangingPunct="1">
+                <a:spcBef>
+                  <a:spcPts val="0"/>
+                </a:spcBef>
+                <a:spcAft>
+                  <a:spcPts val="0"/>
+                </a:spcAft>
+                <a:defRPr/>
+              </a:pPr>
+              <a:r>
+                <a:rPr lang="en-US" sz="1100" dirty="0">
+                  <a:solidFill>
+                    <a:schemeClr val="bg1"/>
+                  </a:solidFill>
+                  <a:latin typeface="Arial" panose="020B0604020202020204" pitchFamily="34" charset="0"/>
+                  <a:cs typeface="Arial" panose="020B0604020202020204" pitchFamily="34" charset="0"/>
+                </a:rPr>
+                <a:t>arn:aws:s3:::myBucket/f/*</a:t>
+              </a:r>
+            </a:p>
+          </p:txBody>
+        </p:sp>
+      </p:grpSp>
+      <p:grpSp>
+        <p:nvGrpSpPr>
+          <p:cNvPr id="160" name="Group 159">
+            <a:extLst>
+              <a:ext uri="{FF2B5EF4-FFF2-40B4-BE49-F238E27FC236}">
+                <a16:creationId xmlns:a16="http://schemas.microsoft.com/office/drawing/2014/main" id="{AFB27547-D788-A647-B0E4-B725B55FA2F8}"/>
+              </a:ext>
+            </a:extLst>
+          </p:cNvPr>
+          <p:cNvGrpSpPr/>
+          <p:nvPr/>
+        </p:nvGrpSpPr>
+        <p:grpSpPr>
+          <a:xfrm>
+            <a:off x="8800780" y="4829407"/>
+            <a:ext cx="1951175" cy="769762"/>
+            <a:chOff x="8804082" y="2856953"/>
+            <a:chExt cx="1951175" cy="769762"/>
+          </a:xfrm>
+        </p:grpSpPr>
+        <p:pic>
+          <p:nvPicPr>
+            <p:cNvPr id="161" name="Graphic 31">
+              <a:extLst>
+                <a:ext uri="{FF2B5EF4-FFF2-40B4-BE49-F238E27FC236}">
+                  <a16:creationId xmlns:a16="http://schemas.microsoft.com/office/drawing/2014/main" id="{DCF53693-016B-1645-B9FD-DE74CC7F9AB3}"/>
+                </a:ext>
+              </a:extLst>
+            </p:cNvPr>
+            <p:cNvPicPr>
+              <a:picLocks noChangeAspect="1" noChangeArrowheads="1"/>
+            </p:cNvPicPr>
+            <p:nvPr/>
+          </p:nvPicPr>
+          <p:blipFill>
+            <a:blip r:embed="rId12">
+              <a:extLst>
+                <a:ext uri="{28A0092B-C50C-407E-A947-70E740481C1C}">
+                  <a14:useLocalDpi xmlns:a14="http://schemas.microsoft.com/office/drawing/2010/main" val="0"/>
+                </a:ext>
+              </a:extLst>
+            </a:blip>
+            <a:srcRect/>
+            <a:stretch>
+              <a:fillRect/>
+            </a:stretch>
+          </p:blipFill>
+          <p:spPr bwMode="auto">
+            <a:xfrm>
+              <a:off x="9547768" y="2856953"/>
+              <a:ext cx="457200" cy="457200"/>
+            </a:xfrm>
+            <a:prstGeom prst="rect">
+              <a:avLst/>
+            </a:prstGeom>
+            <a:noFill/>
+            <a:ln>
+              <a:noFill/>
+            </a:ln>
+            <a:extLst>
+              <a:ext uri="{909E8E84-426E-40DD-AFC4-6F175D3DCCD1}">
+                <a14:hiddenFill xmlns:a14="http://schemas.microsoft.com/office/drawing/2010/main">
+                  <a:solidFill>
+                    <a:srgbClr val="FFFFFF"/>
+                  </a:solidFill>
+                </a14:hiddenFill>
+              </a:ext>
+              <a:ext uri="{91240B29-F687-4F45-9708-019B960494DF}">
+                <a14:hiddenLine xmlns:a14="http://schemas.microsoft.com/office/drawing/2010/main" w="9525">
+                  <a:solidFill>
+                    <a:srgbClr val="000000"/>
+                  </a:solidFill>
+                  <a:miter lim="800000"/>
+                  <a:headEnd/>
+                  <a:tailEnd/>
+                </a14:hiddenLine>
+              </a:ext>
+            </a:extLst>
+          </p:spPr>
+        </p:pic>
+        <p:sp>
+          <p:nvSpPr>
+            <p:cNvPr id="162" name="Rectangle 161">
+              <a:extLst>
+                <a:ext uri="{FF2B5EF4-FFF2-40B4-BE49-F238E27FC236}">
+                  <a16:creationId xmlns:a16="http://schemas.microsoft.com/office/drawing/2014/main" id="{F318B417-C152-B244-8E35-124BDBB11F8D}"/>
+                </a:ext>
+              </a:extLst>
+            </p:cNvPr>
+            <p:cNvSpPr/>
+            <p:nvPr/>
+          </p:nvSpPr>
+          <p:spPr>
+            <a:xfrm>
+              <a:off x="8804082" y="3365105"/>
+              <a:ext cx="1951175" cy="261610"/>
+            </a:xfrm>
+            <a:prstGeom prst="rect">
+              <a:avLst/>
+            </a:prstGeom>
+          </p:spPr>
+          <p:txBody>
+            <a:bodyPr wrap="none">
+              <a:spAutoFit/>
+            </a:bodyPr>
+            <a:lstStyle/>
+            <a:p>
+              <a:pPr algn="ctr" eaLnBrk="1" fontAlgn="auto" hangingPunct="1">
+                <a:spcBef>
+                  <a:spcPts val="0"/>
+                </a:spcBef>
+                <a:spcAft>
+                  <a:spcPts val="0"/>
+                </a:spcAft>
+                <a:defRPr/>
+              </a:pPr>
+              <a:r>
+                <a:rPr lang="en-US" sz="1100" dirty="0">
+                  <a:solidFill>
+                    <a:schemeClr val="bg1"/>
+                  </a:solidFill>
+                  <a:latin typeface="Arial" panose="020B0604020202020204" pitchFamily="34" charset="0"/>
+                  <a:cs typeface="Arial" panose="020B0604020202020204" pitchFamily="34" charset="0"/>
+                </a:rPr>
+                <a:t>arn:aws:s3:::myBucket/site/*</a:t>
+              </a:r>
+            </a:p>
+          </p:txBody>
+        </p:sp>
+      </p:grpSp>
+      <p:cxnSp>
+        <p:nvCxnSpPr>
+          <p:cNvPr id="168" name="Straight Arrow Connector 167">
+            <a:extLst>
+              <a:ext uri="{FF2B5EF4-FFF2-40B4-BE49-F238E27FC236}">
+                <a16:creationId xmlns:a16="http://schemas.microsoft.com/office/drawing/2014/main" id="{F92A757A-87A5-4540-AB6D-97F7F2360442}"/>
+              </a:ext>
+            </a:extLst>
+          </p:cNvPr>
+          <p:cNvCxnSpPr>
+            <a:cxnSpLocks/>
+          </p:cNvCxnSpPr>
+          <p:nvPr/>
+        </p:nvCxnSpPr>
+        <p:spPr>
+          <a:xfrm>
+            <a:off x="905456" y="5468364"/>
+            <a:ext cx="7229575" cy="0"/>
+          </a:xfrm>
+          <a:prstGeom prst="straightConnector1">
+            <a:avLst/>
+          </a:prstGeom>
+          <a:ln w="12700">
+            <a:solidFill>
+              <a:srgbClr val="8FA7C4"/>
+            </a:solidFill>
+            <a:headEnd type="none" w="med" len="sm"/>
+            <a:tailEnd type="none" w="med" len="sm"/>
+          </a:ln>
+        </p:spPr>
+        <p:style>
+          <a:lnRef idx="1">
+            <a:schemeClr val="accent1"/>
+          </a:lnRef>
+          <a:fillRef idx="0">
+            <a:schemeClr val="accent1"/>
+          </a:fillRef>
+          <a:effectRef idx="0">
+            <a:schemeClr val="accent1"/>
+          </a:effectRef>
+          <a:fontRef idx="minor">
+            <a:schemeClr val="tx1"/>
+          </a:fontRef>
+        </p:style>
+      </p:cxnSp>
+      <p:cxnSp>
+        <p:nvCxnSpPr>
+          <p:cNvPr id="170" name="Straight Arrow Connector 169">
+            <a:extLst>
+              <a:ext uri="{FF2B5EF4-FFF2-40B4-BE49-F238E27FC236}">
+                <a16:creationId xmlns:a16="http://schemas.microsoft.com/office/drawing/2014/main" id="{1D6BFA7F-82C1-4148-B239-C93B9F96F455}"/>
+              </a:ext>
+            </a:extLst>
+          </p:cNvPr>
+          <p:cNvCxnSpPr>
+            <a:cxnSpLocks/>
+          </p:cNvCxnSpPr>
+          <p:nvPr/>
+        </p:nvCxnSpPr>
+        <p:spPr>
+          <a:xfrm flipV="1">
+            <a:off x="8135031" y="5067893"/>
+            <a:ext cx="0" cy="400471"/>
+          </a:xfrm>
+          <a:prstGeom prst="straightConnector1">
+            <a:avLst/>
+          </a:prstGeom>
+          <a:ln w="12700">
+            <a:solidFill>
+              <a:srgbClr val="8FA7C4"/>
+            </a:solidFill>
+            <a:headEnd type="none" w="med" len="sm"/>
+            <a:tailEnd type="none" w="med" len="sm"/>
+          </a:ln>
+        </p:spPr>
+        <p:style>
+          <a:lnRef idx="1">
+            <a:schemeClr val="accent1"/>
+          </a:lnRef>
+          <a:fillRef idx="0">
+            <a:schemeClr val="accent1"/>
+          </a:fillRef>
+          <a:effectRef idx="0">
+            <a:schemeClr val="accent1"/>
+          </a:effectRef>
+          <a:fontRef idx="minor">
+            <a:schemeClr val="tx1"/>
+          </a:fontRef>
+        </p:style>
+      </p:cxnSp>
+      <p:cxnSp>
+        <p:nvCxnSpPr>
+          <p:cNvPr id="175" name="Straight Arrow Connector 174">
+            <a:extLst>
+              <a:ext uri="{FF2B5EF4-FFF2-40B4-BE49-F238E27FC236}">
+                <a16:creationId xmlns:a16="http://schemas.microsoft.com/office/drawing/2014/main" id="{EE250FBA-3B96-134A-BECE-CD53E147A01C}"/>
+              </a:ext>
+            </a:extLst>
+          </p:cNvPr>
+          <p:cNvCxnSpPr>
+            <a:cxnSpLocks/>
+          </p:cNvCxnSpPr>
+          <p:nvPr/>
+        </p:nvCxnSpPr>
+        <p:spPr>
+          <a:xfrm flipV="1">
+            <a:off x="8138509" y="5055605"/>
+            <a:ext cx="1339315" cy="4804"/>
+          </a:xfrm>
+          <a:prstGeom prst="straightConnector1">
+            <a:avLst/>
+          </a:prstGeom>
+          <a:ln w="12700">
+            <a:solidFill>
+              <a:srgbClr val="8FA7C4"/>
+            </a:solidFill>
+            <a:headEnd type="none" w="med" len="sm"/>
+            <a:tailEnd type="arrow" w="med" len="sm"/>
+          </a:ln>
+        </p:spPr>
+        <p:style>
+          <a:lnRef idx="1">
+            <a:schemeClr val="accent1"/>
+          </a:lnRef>
+          <a:fillRef idx="0">
+            <a:schemeClr val="accent1"/>
+          </a:fillRef>
+          <a:effectRef idx="0">
+            <a:schemeClr val="accent1"/>
+          </a:effectRef>
+          <a:fontRef idx="minor">
+            <a:schemeClr val="tx1"/>
+          </a:fontRef>
+        </p:style>
+      </p:cxnSp>
     </p:spTree>
     <p:extLst>
       <p:ext uri="{BB962C8B-B14F-4D97-AF65-F5344CB8AC3E}">
